--- a/www/agencies.pptx
+++ b/www/agencies.pptx
@@ -261,7 +261,7 @@
           <a:p>
             <a:fld id="{C792DB44-EBBD-4C4F-8A81-EA766DD83CAD}" type="datetimeFigureOut">
               <a:rPr lang="en-US" smtClean="0"/>
-              <a:t>10/29/2020</a:t>
+              <a:t>11/8/2022</a:t>
             </a:fld>
             <a:endParaRPr lang="en-US"/>
           </a:p>
@@ -315,7 +315,7 @@
           <a:p>
             <a:fld id="{A5B6A287-F7CF-412B-8A52-33D9A236D828}" type="slidenum">
               <a:rPr lang="en-US" smtClean="0"/>
-              <a:t>‹nº›</a:t>
+              <a:t>‹#›</a:t>
             </a:fld>
             <a:endParaRPr lang="en-US"/>
           </a:p>
@@ -461,7 +461,7 @@
           <a:p>
             <a:fld id="{C792DB44-EBBD-4C4F-8A81-EA766DD83CAD}" type="datetimeFigureOut">
               <a:rPr lang="en-US" smtClean="0"/>
-              <a:t>10/29/2020</a:t>
+              <a:t>11/8/2022</a:t>
             </a:fld>
             <a:endParaRPr lang="en-US"/>
           </a:p>
@@ -515,7 +515,7 @@
           <a:p>
             <a:fld id="{A5B6A287-F7CF-412B-8A52-33D9A236D828}" type="slidenum">
               <a:rPr lang="en-US" smtClean="0"/>
-              <a:t>‹nº›</a:t>
+              <a:t>‹#›</a:t>
             </a:fld>
             <a:endParaRPr lang="en-US"/>
           </a:p>
@@ -671,7 +671,7 @@
           <a:p>
             <a:fld id="{C792DB44-EBBD-4C4F-8A81-EA766DD83CAD}" type="datetimeFigureOut">
               <a:rPr lang="en-US" smtClean="0"/>
-              <a:t>10/29/2020</a:t>
+              <a:t>11/8/2022</a:t>
             </a:fld>
             <a:endParaRPr lang="en-US"/>
           </a:p>
@@ -725,7 +725,7 @@
           <a:p>
             <a:fld id="{A5B6A287-F7CF-412B-8A52-33D9A236D828}" type="slidenum">
               <a:rPr lang="en-US" smtClean="0"/>
-              <a:t>‹nº›</a:t>
+              <a:t>‹#›</a:t>
             </a:fld>
             <a:endParaRPr lang="en-US"/>
           </a:p>
@@ -871,7 +871,7 @@
           <a:p>
             <a:fld id="{C792DB44-EBBD-4C4F-8A81-EA766DD83CAD}" type="datetimeFigureOut">
               <a:rPr lang="en-US" smtClean="0"/>
-              <a:t>10/29/2020</a:t>
+              <a:t>11/8/2022</a:t>
             </a:fld>
             <a:endParaRPr lang="en-US"/>
           </a:p>
@@ -925,7 +925,7 @@
           <a:p>
             <a:fld id="{A5B6A287-F7CF-412B-8A52-33D9A236D828}" type="slidenum">
               <a:rPr lang="en-US" smtClean="0"/>
-              <a:t>‹nº›</a:t>
+              <a:t>‹#›</a:t>
             </a:fld>
             <a:endParaRPr lang="en-US"/>
           </a:p>
@@ -1147,7 +1147,7 @@
           <a:p>
             <a:fld id="{C792DB44-EBBD-4C4F-8A81-EA766DD83CAD}" type="datetimeFigureOut">
               <a:rPr lang="en-US" smtClean="0"/>
-              <a:t>10/29/2020</a:t>
+              <a:t>11/8/2022</a:t>
             </a:fld>
             <a:endParaRPr lang="en-US"/>
           </a:p>
@@ -1201,7 +1201,7 @@
           <a:p>
             <a:fld id="{A5B6A287-F7CF-412B-8A52-33D9A236D828}" type="slidenum">
               <a:rPr lang="en-US" smtClean="0"/>
-              <a:t>‹nº›</a:t>
+              <a:t>‹#›</a:t>
             </a:fld>
             <a:endParaRPr lang="en-US"/>
           </a:p>
@@ -1415,7 +1415,7 @@
           <a:p>
             <a:fld id="{C792DB44-EBBD-4C4F-8A81-EA766DD83CAD}" type="datetimeFigureOut">
               <a:rPr lang="en-US" smtClean="0"/>
-              <a:t>10/29/2020</a:t>
+              <a:t>11/8/2022</a:t>
             </a:fld>
             <a:endParaRPr lang="en-US"/>
           </a:p>
@@ -1469,7 +1469,7 @@
           <a:p>
             <a:fld id="{A5B6A287-F7CF-412B-8A52-33D9A236D828}" type="slidenum">
               <a:rPr lang="en-US" smtClean="0"/>
-              <a:t>‹nº›</a:t>
+              <a:t>‹#›</a:t>
             </a:fld>
             <a:endParaRPr lang="en-US"/>
           </a:p>
@@ -1830,7 +1830,7 @@
           <a:p>
             <a:fld id="{C792DB44-EBBD-4C4F-8A81-EA766DD83CAD}" type="datetimeFigureOut">
               <a:rPr lang="en-US" smtClean="0"/>
-              <a:t>10/29/2020</a:t>
+              <a:t>11/8/2022</a:t>
             </a:fld>
             <a:endParaRPr lang="en-US"/>
           </a:p>
@@ -1884,7 +1884,7 @@
           <a:p>
             <a:fld id="{A5B6A287-F7CF-412B-8A52-33D9A236D828}" type="slidenum">
               <a:rPr lang="en-US" smtClean="0"/>
-              <a:t>‹nº›</a:t>
+              <a:t>‹#›</a:t>
             </a:fld>
             <a:endParaRPr lang="en-US"/>
           </a:p>
@@ -1972,7 +1972,7 @@
           <a:p>
             <a:fld id="{C792DB44-EBBD-4C4F-8A81-EA766DD83CAD}" type="datetimeFigureOut">
               <a:rPr lang="en-US" smtClean="0"/>
-              <a:t>10/29/2020</a:t>
+              <a:t>11/8/2022</a:t>
             </a:fld>
             <a:endParaRPr lang="en-US"/>
           </a:p>
@@ -2026,7 +2026,7 @@
           <a:p>
             <a:fld id="{A5B6A287-F7CF-412B-8A52-33D9A236D828}" type="slidenum">
               <a:rPr lang="en-US" smtClean="0"/>
-              <a:t>‹nº›</a:t>
+              <a:t>‹#›</a:t>
             </a:fld>
             <a:endParaRPr lang="en-US"/>
           </a:p>
@@ -2085,7 +2085,7 @@
           <a:p>
             <a:fld id="{C792DB44-EBBD-4C4F-8A81-EA766DD83CAD}" type="datetimeFigureOut">
               <a:rPr lang="en-US" smtClean="0"/>
-              <a:t>10/29/2020</a:t>
+              <a:t>11/8/2022</a:t>
             </a:fld>
             <a:endParaRPr lang="en-US"/>
           </a:p>
@@ -2139,7 +2139,7 @@
           <a:p>
             <a:fld id="{A5B6A287-F7CF-412B-8A52-33D9A236D828}" type="slidenum">
               <a:rPr lang="en-US" smtClean="0"/>
-              <a:t>‹nº›</a:t>
+              <a:t>‹#›</a:t>
             </a:fld>
             <a:endParaRPr lang="en-US"/>
           </a:p>
@@ -2398,7 +2398,7 @@
           <a:p>
             <a:fld id="{C792DB44-EBBD-4C4F-8A81-EA766DD83CAD}" type="datetimeFigureOut">
               <a:rPr lang="en-US" smtClean="0"/>
-              <a:t>10/29/2020</a:t>
+              <a:t>11/8/2022</a:t>
             </a:fld>
             <a:endParaRPr lang="en-US"/>
           </a:p>
@@ -2452,7 +2452,7 @@
           <a:p>
             <a:fld id="{A5B6A287-F7CF-412B-8A52-33D9A236D828}" type="slidenum">
               <a:rPr lang="en-US" smtClean="0"/>
-              <a:t>‹nº›</a:t>
+              <a:t>‹#›</a:t>
             </a:fld>
             <a:endParaRPr lang="en-US"/>
           </a:p>
@@ -2687,7 +2687,7 @@
           <a:p>
             <a:fld id="{C792DB44-EBBD-4C4F-8A81-EA766DD83CAD}" type="datetimeFigureOut">
               <a:rPr lang="en-US" smtClean="0"/>
-              <a:t>10/29/2020</a:t>
+              <a:t>11/8/2022</a:t>
             </a:fld>
             <a:endParaRPr lang="en-US"/>
           </a:p>
@@ -2741,7 +2741,7 @@
           <a:p>
             <a:fld id="{A5B6A287-F7CF-412B-8A52-33D9A236D828}" type="slidenum">
               <a:rPr lang="en-US" smtClean="0"/>
-              <a:t>‹nº›</a:t>
+              <a:t>‹#›</a:t>
             </a:fld>
             <a:endParaRPr lang="en-US"/>
           </a:p>
@@ -2930,7 +2930,7 @@
           <a:p>
             <a:fld id="{C792DB44-EBBD-4C4F-8A81-EA766DD83CAD}" type="datetimeFigureOut">
               <a:rPr lang="en-US" smtClean="0"/>
-              <a:t>10/29/2020</a:t>
+              <a:t>11/8/2022</a:t>
             </a:fld>
             <a:endParaRPr lang="en-US"/>
           </a:p>
@@ -3020,7 +3020,7 @@
           <a:p>
             <a:fld id="{A5B6A287-F7CF-412B-8A52-33D9A236D828}" type="slidenum">
               <a:rPr lang="en-US" smtClean="0"/>
-              <a:t>‹nº›</a:t>
+              <a:t>‹#›</a:t>
             </a:fld>
             <a:endParaRPr lang="en-US"/>
           </a:p>
@@ -3376,7 +3376,7 @@
         </p:blipFill>
         <p:spPr bwMode="auto">
           <a:xfrm>
-            <a:off x="4965551" y="2551983"/>
+            <a:off x="5181808" y="3914901"/>
             <a:ext cx="3229949" cy="2478838"/>
           </a:xfrm>
           <a:prstGeom prst="rect">
@@ -3599,7 +3599,7 @@
         </p:blipFill>
         <p:spPr bwMode="auto">
           <a:xfrm>
-            <a:off x="3627919" y="3205151"/>
+            <a:off x="7509805" y="3098296"/>
             <a:ext cx="1436985" cy="1702626"/>
           </a:xfrm>
           <a:prstGeom prst="rect">
@@ -3646,7 +3646,7 @@
         </p:blipFill>
         <p:spPr bwMode="auto">
           <a:xfrm>
-            <a:off x="486562" y="3091161"/>
+            <a:off x="2121104" y="3135529"/>
             <a:ext cx="3010410" cy="1003469"/>
           </a:xfrm>
           <a:prstGeom prst="rect">
@@ -3666,10 +3666,10 @@
       </p:pic>
       <p:pic>
         <p:nvPicPr>
-          <p:cNvPr id="3" name="Imagem 2">
-            <a:extLst>
-              <a:ext uri="{FF2B5EF4-FFF2-40B4-BE49-F238E27FC236}">
-                <a16:creationId xmlns:a16="http://schemas.microsoft.com/office/drawing/2014/main" id="{1786D531-C64C-4E31-BB11-5E611230C4F8}"/>
+          <p:cNvPr id="6" name="Imagem 5">
+            <a:extLst>
+              <a:ext uri="{FF2B5EF4-FFF2-40B4-BE49-F238E27FC236}">
+                <a16:creationId xmlns:a16="http://schemas.microsoft.com/office/drawing/2014/main" id="{A007E291-BF47-4B85-A165-1315628A8A77}"/>
               </a:ext>
             </a:extLst>
           </p:cNvPr>
@@ -3681,45 +3681,9 @@
         <p:blipFill>
           <a:blip r:embed="rId8">
             <a:extLst>
-              <a:ext uri="{28A0092B-C50C-407E-A947-70E740481C1C}">
-                <a14:useLocalDpi xmlns:a14="http://schemas.microsoft.com/office/drawing/2010/main" val="0"/>
-              </a:ext>
-            </a:extLst>
-          </a:blip>
-          <a:stretch>
-            <a:fillRect/>
-          </a:stretch>
-        </p:blipFill>
-        <p:spPr>
-          <a:xfrm>
-            <a:off x="6354618" y="5424449"/>
-            <a:ext cx="4187606" cy="1039923"/>
-          </a:xfrm>
-          <a:prstGeom prst="rect">
-            <a:avLst/>
-          </a:prstGeom>
-        </p:spPr>
-      </p:pic>
-      <p:pic>
-        <p:nvPicPr>
-          <p:cNvPr id="6" name="Imagem 5">
-            <a:extLst>
-              <a:ext uri="{FF2B5EF4-FFF2-40B4-BE49-F238E27FC236}">
-                <a16:creationId xmlns:a16="http://schemas.microsoft.com/office/drawing/2014/main" id="{A007E291-BF47-4B85-A165-1315628A8A77}"/>
-              </a:ext>
-            </a:extLst>
-          </p:cNvPr>
-          <p:cNvPicPr>
-            <a:picLocks noChangeAspect="1"/>
-          </p:cNvPicPr>
-          <p:nvPr/>
-        </p:nvPicPr>
-        <p:blipFill>
-          <a:blip r:embed="rId9">
-            <a:extLst>
               <a:ext uri="{BEBA8EAE-BF5A-486C-A8C5-ECC9F3942E4B}">
                 <a14:imgProps xmlns:a14="http://schemas.microsoft.com/office/drawing/2010/main">
-                  <a14:imgLayer r:embed="rId10">
+                  <a14:imgLayer r:embed="rId9">
                     <a14:imgEffect>
                       <a14:backgroundRemoval t="9145" b="94235" l="4167" r="96429">
                         <a14:foregroundMark x1="4167" y1="62425" x2="4167" y2="62425"/>
@@ -3751,7 +3715,7 @@
         </p:blipFill>
         <p:spPr>
           <a:xfrm>
-            <a:off x="630471" y="4176179"/>
+            <a:off x="713161" y="4018781"/>
             <a:ext cx="4501043" cy="2695267"/>
           </a:xfrm>
           <a:prstGeom prst="rect">
@@ -3774,7 +3738,7 @@
           <p:nvPr/>
         </p:nvPicPr>
         <p:blipFill rotWithShape="1">
-          <a:blip r:embed="rId11">
+          <a:blip r:embed="rId10">
             <a:extLst>
               <a:ext uri="{28A0092B-C50C-407E-A947-70E740481C1C}">
                 <a14:useLocalDpi xmlns:a14="http://schemas.microsoft.com/office/drawing/2010/main" val="0"/>
@@ -3786,7 +3750,7 @@
         </p:blipFill>
         <p:spPr>
           <a:xfrm>
-            <a:off x="8544963" y="3212509"/>
+            <a:off x="8819218" y="4458311"/>
             <a:ext cx="2802696" cy="1764241"/>
           </a:xfrm>
           <a:prstGeom prst="rect">
